--- a/Big Data Analytics DTS 2019/Big Data - Sesi 01 - Introduction to Cloud Computing.pptx
+++ b/Big Data Analytics DTS 2019/Big Data - Sesi 01 - Introduction to Cloud Computing.pptx
@@ -1677,6 +1677,30 @@
     </pc:docChg>
   </pc:docChgLst>
   <pc:docChgLst>
+    <pc:chgData name="Rosihan Ariyuana" userId="a673341b-dfea-48bd-bc6b-c1125fd20ed3" providerId="ADAL" clId="{842517E5-704B-44AA-89B5-02001CC5526B}"/>
+    <pc:docChg chg="modSld">
+      <pc:chgData name="Rosihan Ariyuana" userId="a673341b-dfea-48bd-bc6b-c1125fd20ed3" providerId="ADAL" clId="{842517E5-704B-44AA-89B5-02001CC5526B}" dt="2019-07-09T02:44:07.947" v="7" actId="20577"/>
+      <pc:docMkLst>
+        <pc:docMk/>
+      </pc:docMkLst>
+      <pc:sldChg chg="modSp">
+        <pc:chgData name="Rosihan Ariyuana" userId="a673341b-dfea-48bd-bc6b-c1125fd20ed3" providerId="ADAL" clId="{842517E5-704B-44AA-89B5-02001CC5526B}" dt="2019-07-09T02:44:07.947" v="7" actId="20577"/>
+        <pc:sldMkLst>
+          <pc:docMk/>
+          <pc:sldMk cId="3016501850" sldId="276"/>
+        </pc:sldMkLst>
+        <pc:spChg chg="mod">
+          <ac:chgData name="Rosihan Ariyuana" userId="a673341b-dfea-48bd-bc6b-c1125fd20ed3" providerId="ADAL" clId="{842517E5-704B-44AA-89B5-02001CC5526B}" dt="2019-07-09T02:44:07.947" v="7" actId="20577"/>
+          <ac:spMkLst>
+            <pc:docMk/>
+            <pc:sldMk cId="3016501850" sldId="276"/>
+            <ac:spMk id="4" creationId="{0A64922E-7090-4EEB-B644-E11E28BB7BA9}"/>
+          </ac:spMkLst>
+        </pc:spChg>
+      </pc:sldChg>
+    </pc:docChg>
+  </pc:docChgLst>
+  <pc:docChgLst>
     <pc:chgData name="Daya Adianto" userId="b8f9629b-c66d-481e-a54c-12c6eec2844d" providerId="ADAL" clId="{C9AC739A-971A-44E7-8AB5-6E84A22F78E1}"/>
     <pc:docChg chg="undo custSel addSld delSld modSld sldOrd modSection">
       <pc:chgData name="Daya Adianto" userId="b8f9629b-c66d-481e-a54c-12c6eec2844d" providerId="ADAL" clId="{C9AC739A-971A-44E7-8AB5-6E84A22F78E1}" dt="2019-06-17T15:27:15.593" v="8142" actId="20577"/>
@@ -2616,7 +2640,7 @@
           <a:p>
             <a:fld id="{F551525E-C724-42EB-B891-DA1CBC673EEE}" type="datetimeFigureOut">
               <a:rPr lang="en-AU" smtClean="0"/>
-              <a:t>8/07/2019</a:t>
+              <a:t>9/07/2019</a:t>
             </a:fld>
             <a:endParaRPr lang="en-AU"/>
           </a:p>
@@ -6140,7 +6164,7 @@
           <a:p>
             <a:fld id="{89AA8B8B-1B1C-42C4-BE9B-2D1516377903}" type="datetimeFigureOut">
               <a:rPr lang="en-US" smtClean="0"/>
-              <a:t>7/8/2019</a:t>
+              <a:t>7/9/2019</a:t>
             </a:fld>
             <a:endParaRPr lang="en-US"/>
           </a:p>
@@ -6310,7 +6334,7 @@
           <a:p>
             <a:fld id="{89AA8B8B-1B1C-42C4-BE9B-2D1516377903}" type="datetimeFigureOut">
               <a:rPr lang="en-US" smtClean="0"/>
-              <a:t>7/8/2019</a:t>
+              <a:t>7/9/2019</a:t>
             </a:fld>
             <a:endParaRPr lang="en-US"/>
           </a:p>
@@ -6490,7 +6514,7 @@
           <a:p>
             <a:fld id="{89AA8B8B-1B1C-42C4-BE9B-2D1516377903}" type="datetimeFigureOut">
               <a:rPr lang="en-US" smtClean="0"/>
-              <a:t>7/8/2019</a:t>
+              <a:t>7/9/2019</a:t>
             </a:fld>
             <a:endParaRPr lang="en-US"/>
           </a:p>
@@ -7188,7 +7212,7 @@
           <a:p>
             <a:fld id="{89AA8B8B-1B1C-42C4-BE9B-2D1516377903}" type="datetimeFigureOut">
               <a:rPr lang="en-US" smtClean="0"/>
-              <a:t>7/8/2019</a:t>
+              <a:t>7/9/2019</a:t>
             </a:fld>
             <a:endParaRPr lang="en-US"/>
           </a:p>
@@ -7432,7 +7456,7 @@
           <a:p>
             <a:fld id="{89AA8B8B-1B1C-42C4-BE9B-2D1516377903}" type="datetimeFigureOut">
               <a:rPr lang="en-US" smtClean="0"/>
-              <a:t>7/8/2019</a:t>
+              <a:t>7/9/2019</a:t>
             </a:fld>
             <a:endParaRPr lang="en-US"/>
           </a:p>
@@ -7664,7 +7688,7 @@
           <a:p>
             <a:fld id="{89AA8B8B-1B1C-42C4-BE9B-2D1516377903}" type="datetimeFigureOut">
               <a:rPr lang="en-US" smtClean="0"/>
-              <a:t>7/8/2019</a:t>
+              <a:t>7/9/2019</a:t>
             </a:fld>
             <a:endParaRPr lang="en-US"/>
           </a:p>
@@ -8031,7 +8055,7 @@
           <a:p>
             <a:fld id="{89AA8B8B-1B1C-42C4-BE9B-2D1516377903}" type="datetimeFigureOut">
               <a:rPr lang="en-US" smtClean="0"/>
-              <a:t>7/8/2019</a:t>
+              <a:t>7/9/2019</a:t>
             </a:fld>
             <a:endParaRPr lang="en-US"/>
           </a:p>
@@ -8149,7 +8173,7 @@
           <a:p>
             <a:fld id="{89AA8B8B-1B1C-42C4-BE9B-2D1516377903}" type="datetimeFigureOut">
               <a:rPr lang="en-US" smtClean="0"/>
-              <a:t>7/8/2019</a:t>
+              <a:t>7/9/2019</a:t>
             </a:fld>
             <a:endParaRPr lang="en-US"/>
           </a:p>
@@ -8244,7 +8268,7 @@
           <a:p>
             <a:fld id="{89AA8B8B-1B1C-42C4-BE9B-2D1516377903}" type="datetimeFigureOut">
               <a:rPr lang="en-US" smtClean="0"/>
-              <a:t>7/8/2019</a:t>
+              <a:t>7/9/2019</a:t>
             </a:fld>
             <a:endParaRPr lang="en-US"/>
           </a:p>
@@ -8521,7 +8545,7 @@
           <a:p>
             <a:fld id="{89AA8B8B-1B1C-42C4-BE9B-2D1516377903}" type="datetimeFigureOut">
               <a:rPr lang="en-US" smtClean="0"/>
-              <a:t>7/8/2019</a:t>
+              <a:t>7/9/2019</a:t>
             </a:fld>
             <a:endParaRPr lang="en-US"/>
           </a:p>
@@ -8778,7 +8802,7 @@
           <a:p>
             <a:fld id="{89AA8B8B-1B1C-42C4-BE9B-2D1516377903}" type="datetimeFigureOut">
               <a:rPr lang="en-US" smtClean="0"/>
-              <a:t>7/8/2019</a:t>
+              <a:t>7/9/2019</a:t>
             </a:fld>
             <a:endParaRPr lang="en-US"/>
           </a:p>
@@ -9074,7 +9098,7 @@
           <a:p>
             <a:fld id="{89AA8B8B-1B1C-42C4-BE9B-2D1516377903}" type="datetimeFigureOut">
               <a:rPr lang="en-US" smtClean="0"/>
-              <a:t>7/8/2019</a:t>
+              <a:t>7/9/2019</a:t>
             </a:fld>
             <a:endParaRPr lang="en-US"/>
           </a:p>
@@ -13392,8 +13416,12 @@
           <a:lstStyle/>
           <a:p>
             <a:r>
+              <a:rPr lang="en-AU"/>
+              <a:t>Cloud Services </a:t>
+            </a:r>
+            <a:r>
               <a:rPr lang="en-AU" dirty="0"/>
-              <a:t>Cloud Architecture (Mell, 2009) </a:t>
+              <a:t>(Mell, 2009) </a:t>
             </a:r>
           </a:p>
         </p:txBody>
@@ -18307,7 +18335,7 @@
           <a:p>
             <a:fld id="{EDFBBC74-4B99-4212-A7D9-0CF121B94CA0}" type="datetime1">
               <a:rPr lang="id-ID" smtClean="0"/>
-              <a:t>08/07/2019</a:t>
+              <a:t>09/07/2019</a:t>
             </a:fld>
             <a:endParaRPr lang="id-ID" dirty="0"/>
           </a:p>
@@ -34007,7 +34035,7 @@
           <a:p>
             <a:fld id="{EDFBBC74-4B99-4212-A7D9-0CF121B94CA0}" type="datetime1">
               <a:rPr lang="id-ID" smtClean="0"/>
-              <a:t>08/07/2019</a:t>
+              <a:t>09/07/2019</a:t>
             </a:fld>
             <a:endParaRPr lang="id-ID" dirty="0"/>
           </a:p>
@@ -34253,7 +34281,7 @@
           <a:p>
             <a:fld id="{EDFBBC74-4B99-4212-A7D9-0CF121B94CA0}" type="datetime1">
               <a:rPr lang="id-ID" smtClean="0"/>
-              <a:t>08/07/2019</a:t>
+              <a:t>09/07/2019</a:t>
             </a:fld>
             <a:endParaRPr lang="id-ID" dirty="0"/>
           </a:p>
@@ -34420,7 +34448,7 @@
           <a:p>
             <a:fld id="{EDFBBC74-4B99-4212-A7D9-0CF121B94CA0}" type="datetime1">
               <a:rPr lang="id-ID" smtClean="0"/>
-              <a:t>08/07/2019</a:t>
+              <a:t>09/07/2019</a:t>
             </a:fld>
             <a:endParaRPr lang="id-ID" dirty="0"/>
           </a:p>
@@ -34892,7 +34920,7 @@
           <a:p>
             <a:fld id="{EDFBBC74-4B99-4212-A7D9-0CF121B94CA0}" type="datetime1">
               <a:rPr lang="id-ID" smtClean="0"/>
-              <a:t>08/07/2019</a:t>
+              <a:t>09/07/2019</a:t>
             </a:fld>
             <a:endParaRPr lang="id-ID" dirty="0"/>
           </a:p>
@@ -35041,7 +35069,7 @@
           <a:p>
             <a:fld id="{EDFBBC74-4B99-4212-A7D9-0CF121B94CA0}" type="datetime1">
               <a:rPr lang="id-ID" smtClean="0"/>
-              <a:t>08/07/2019</a:t>
+              <a:t>09/07/2019</a:t>
             </a:fld>
             <a:endParaRPr lang="id-ID" dirty="0"/>
           </a:p>
@@ -35187,7 +35215,7 @@
           <a:p>
             <a:fld id="{EDFBBC74-4B99-4212-A7D9-0CF121B94CA0}" type="datetime1">
               <a:rPr lang="id-ID" smtClean="0"/>
-              <a:t>08/07/2019</a:t>
+              <a:t>09/07/2019</a:t>
             </a:fld>
             <a:endParaRPr lang="id-ID" dirty="0"/>
           </a:p>
@@ -35337,7 +35365,7 @@
           <a:p>
             <a:fld id="{EDFBBC74-4B99-4212-A7D9-0CF121B94CA0}" type="datetime1">
               <a:rPr lang="id-ID" smtClean="0"/>
-              <a:t>08/07/2019</a:t>
+              <a:t>09/07/2019</a:t>
             </a:fld>
             <a:endParaRPr lang="id-ID" dirty="0"/>
           </a:p>
@@ -35488,7 +35516,7 @@
           <a:p>
             <a:fld id="{EDFBBC74-4B99-4212-A7D9-0CF121B94CA0}" type="datetime1">
               <a:rPr lang="id-ID" smtClean="0"/>
-              <a:t>08/07/2019</a:t>
+              <a:t>09/07/2019</a:t>
             </a:fld>
             <a:endParaRPr lang="id-ID" dirty="0"/>
           </a:p>
@@ -35639,7 +35667,7 @@
           <a:p>
             <a:fld id="{EDFBBC74-4B99-4212-A7D9-0CF121B94CA0}" type="datetime1">
               <a:rPr lang="id-ID" smtClean="0"/>
-              <a:t>08/07/2019</a:t>
+              <a:t>09/07/2019</a:t>
             </a:fld>
             <a:endParaRPr lang="id-ID" dirty="0"/>
           </a:p>
@@ -35804,7 +35832,7 @@
           <a:p>
             <a:fld id="{EDFBBC74-4B99-4212-A7D9-0CF121B94CA0}" type="datetime1">
               <a:rPr lang="id-ID" smtClean="0"/>
-              <a:t>08/07/2019</a:t>
+              <a:t>09/07/2019</a:t>
             </a:fld>
             <a:endParaRPr lang="id-ID" dirty="0"/>
           </a:p>
